--- a/Apresentacao/ApresentacaoFase1Grupo10Jessica.pptx
+++ b/Apresentacao/ApresentacaoFase1Grupo10Jessica.pptx
@@ -115,6 +115,11 @@
       </a:defRPr>
     </a:lvl9pPr>
   </p:defaultTextStyle>
+  <p:extLst>
+    <p:ext uri="{EFAFB233-063F-42B5-8137-9DF3F51BA10A}">
+      <p15:sldGuideLst xmlns:p15="http://schemas.microsoft.com/office/powerpoint/2012/main"/>
+    </p:ext>
+  </p:extLst>
 </p:presentation>
 </file>
 
@@ -6178,7 +6183,9 @@
           </a:xfrm>
         </p:spPr>
         <p:txBody>
-          <a:bodyPr/>
+          <a:bodyPr>
+            <a:normAutofit lnSpcReduction="10000"/>
+          </a:bodyPr>
           <a:lstStyle/>
           <a:p>
             <a:pPr algn="just"/>
@@ -6223,8 +6230,46 @@
             </a:r>
             <a:r>
               <a:rPr lang="en-US" dirty="0"/>
-              <a:t>Exploration. [pdf] National Aeronautics and Space Administration. Available at: &lt;https://www.nasa.gov/pdf/55583main_vision_space_exploration2.pdf&gt; [Accessed March 2016]. </a:t>
-            </a:r>
+              <a:t>Exploration. [pdf] National Aeronautics and Space Administration. Available at</a:t>
+            </a:r>
+            <a:r>
+              <a:rPr lang="en-US" dirty="0" smtClean="0"/>
+              <a:t>:</a:t>
+            </a:r>
+          </a:p>
+          <a:p>
+            <a:pPr marL="0" indent="0" algn="just">
+              <a:buNone/>
+            </a:pPr>
+            <a:r>
+              <a:rPr lang="en-US" dirty="0" smtClean="0"/>
+              <a:t> </a:t>
+            </a:r>
+            <a:r>
+              <a:rPr lang="en-US" dirty="0" smtClean="0">
+                <a:hlinkClick r:id="rId2"/>
+              </a:rPr>
+              <a:t>https</a:t>
+            </a:r>
+            <a:r>
+              <a:rPr lang="en-US" dirty="0">
+                <a:hlinkClick r:id="rId2"/>
+              </a:rPr>
+              <a:t>://</a:t>
+            </a:r>
+            <a:r>
+              <a:rPr lang="en-US" dirty="0" smtClean="0">
+                <a:hlinkClick r:id="rId2"/>
+              </a:rPr>
+              <a:t>www.nasa.gov/pdf/55583main_vision_space_exploration2.pdf</a:t>
+            </a:r>
+            <a:endParaRPr lang="en-US" dirty="0" smtClean="0"/>
+          </a:p>
+          <a:p>
+            <a:pPr marL="0" indent="0" algn="just">
+              <a:buNone/>
+            </a:pPr>
+            <a:endParaRPr lang="en-US" dirty="0"/>
           </a:p>
           <a:p>
             <a:endParaRPr lang="en-US" dirty="0"/>
@@ -6234,7 +6279,7 @@
       <p:pic>
         <p:nvPicPr>
           <p:cNvPr id="1028" name="Picture 4" descr="http://www.360graus.com.br/expedicoes/images/w_h/w_h_nasa01.jpg">
-            <a:hlinkClick r:id="rId2"/>
+            <a:hlinkClick r:id="rId3"/>
           </p:cNvPr>
           <p:cNvPicPr>
             <a:picLocks noChangeAspect="1" noChangeArrowheads="1"/>
@@ -6242,7 +6287,7 @@
           <p:nvPr/>
         </p:nvPicPr>
         <p:blipFill>
-          <a:blip r:embed="rId3">
+          <a:blip r:embed="rId4">
             <a:extLst>
               <a:ext uri="{28A0092B-C50C-407E-A947-70E740481C1C}">
                 <a14:useLocalDpi xmlns:a14="http://schemas.microsoft.com/office/drawing/2010/main" val="0"/>
@@ -6282,7 +6327,7 @@
       <p:pic>
         <p:nvPicPr>
           <p:cNvPr id="1030" name="Picture 6" descr="http://www.guiky.com.br/wp-content/uploads/2012/02/O-homem-na-lua-nasa.jpg">
-            <a:hlinkClick r:id="rId4"/>
+            <a:hlinkClick r:id="rId5"/>
           </p:cNvPr>
           <p:cNvPicPr>
             <a:picLocks noChangeAspect="1" noChangeArrowheads="1"/>
@@ -6290,7 +6335,7 @@
           <p:nvPr/>
         </p:nvPicPr>
         <p:blipFill>
-          <a:blip r:embed="rId5">
+          <a:blip r:embed="rId6">
             <a:extLst>
               <a:ext uri="{28A0092B-C50C-407E-A947-70E740481C1C}">
                 <a14:useLocalDpi xmlns:a14="http://schemas.microsoft.com/office/drawing/2010/main" val="0"/>
@@ -7275,25 +7320,6 @@
           <a:chExt cx="0" cy="0"/>
         </a:xfrm>
       </p:grpSpPr>
-      <p:sp>
-        <p:nvSpPr>
-          <p:cNvPr id="2" name="Título 1"/>
-          <p:cNvSpPr>
-            <a:spLocks noGrp="1"/>
-          </p:cNvSpPr>
-          <p:nvPr>
-            <p:ph type="title"/>
-          </p:nvPr>
-        </p:nvSpPr>
-        <p:spPr/>
-        <p:txBody>
-          <a:bodyPr/>
-          <a:lstStyle/>
-          <a:p>
-            <a:endParaRPr lang="en-US" dirty="0"/>
-          </a:p>
-        </p:txBody>
-      </p:sp>
       <p:pic>
         <p:nvPicPr>
           <p:cNvPr id="4" name="Marcador de Posição de Conteúdo 3"/>
@@ -7304,7 +7330,7 @@
             <p:ph idx="1"/>
           </p:nvPr>
         </p:nvPicPr>
-        <p:blipFill>
+        <p:blipFill rotWithShape="1">
           <a:blip r:embed="rId2">
             <a:extLst>
               <a:ext uri="{28A0092B-C50C-407E-A947-70E740481C1C}">
@@ -7312,14 +7338,13 @@
               </a:ext>
             </a:extLst>
           </a:blip>
-          <a:stretch>
-            <a:fillRect/>
-          </a:stretch>
+          <a:srcRect t="1460"/>
+          <a:stretch/>
         </p:blipFill>
         <p:spPr>
           <a:xfrm>
-            <a:off x="0" y="609600"/>
-            <a:ext cx="12210703" cy="5446643"/>
+            <a:off x="0" y="689113"/>
+            <a:ext cx="12210703" cy="5367130"/>
           </a:xfrm>
         </p:spPr>
       </p:pic>
@@ -7710,7 +7735,6 @@
               <a:rPr lang="pt-PT" sz="1600" dirty="0"/>
               <a:t>Guardar fotos de itens/artefactos espaciais numa galeria própria na base de dados.</a:t>
             </a:r>
-            <a:endParaRPr lang="pt-PT" sz="1600" dirty="0"/>
           </a:p>
           <a:p>
             <a:endParaRPr lang="en-US" sz="1600" dirty="0"/>
